--- a/Bill_talk.pptx
+++ b/Bill_talk.pptx
@@ -7,7 +7,6 @@
   <p:sldIdLst>
     <p:sldId id="258" r:id="rId2"/>
     <p:sldId id="260" r:id="rId3"/>
-    <p:sldId id="261" r:id="rId4"/>
   </p:sldIdLst>
   <p:sldSz cx="9144000" cy="6858000" type="screen4x3"/>
   <p:notesSz cx="6858000" cy="9144000"/>
@@ -3137,7 +3136,7 @@
         <p:spPr>
           <a:xfrm>
             <a:off x="381000" y="1676400"/>
-            <a:ext cx="4572000" cy="3785652"/>
+            <a:ext cx="4572000" cy="3477875"/>
           </a:xfrm>
           <a:prstGeom prst="rect">
             <a:avLst/>
@@ -3197,8 +3196,9 @@
             </a:r>
             <a:r>
               <a:rPr lang="en-US" sz="2000" dirty="0" smtClean="0"/>
-              <a:t>Given this is a classification problem I’ll need test out various classification models (SVC)</a:t>
-            </a:r>
+              <a:t>Using ingredients we can predict cuisine. </a:t>
+            </a:r>
+            <a:endParaRPr lang="en-US" sz="2000" dirty="0" smtClean="0"/>
           </a:p>
           <a:p>
             <a:endParaRPr lang="en-US" sz="2000" dirty="0"/>
@@ -3286,6 +3286,13 @@
   <p:clrMapOvr>
     <a:masterClrMapping/>
   </p:clrMapOvr>
+  <p:timing>
+    <p:tnLst>
+      <p:par>
+        <p:cTn id="1" dur="indefinite" restart="never" nodeType="tmRoot"/>
+      </p:par>
+    </p:tnLst>
+  </p:timing>
 </p:sld>
 </file>
 
@@ -3367,12 +3374,12 @@
               <a:t>: Forecast use of a D.C.’s </a:t>
             </a:r>
             <a:r>
-              <a:rPr lang="en-US" sz="2000" dirty="0" err="1" smtClean="0"/>
-              <a:t>bikeshare</a:t>
-            </a:r>
-            <a:r>
               <a:rPr lang="en-US" sz="2000" dirty="0" smtClean="0"/>
-              <a:t> system</a:t>
+              <a:t>bike share </a:t>
+            </a:r>
+            <a:r>
+              <a:rPr lang="en-US" sz="2000" dirty="0" smtClean="0"/>
+              <a:t>system</a:t>
             </a:r>
           </a:p>
           <a:p>
@@ -3405,12 +3412,20 @@
               <a:t>Hypotheses</a:t>
             </a:r>
             <a:r>
-              <a:rPr lang="en-US" sz="2000" dirty="0"/>
-              <a:t>: </a:t>
-            </a:r>
-            <a:r>
               <a:rPr lang="en-US" sz="2000" dirty="0" smtClean="0"/>
-              <a:t>Given this is a regression problem with just a few independent variables a basic decision tree could work.</a:t>
+              <a:t>: Using </a:t>
+            </a:r>
+            <a:r>
+              <a:rPr lang="en-US" sz="2000" dirty="0" err="1" smtClean="0"/>
+              <a:t>datetime</a:t>
+            </a:r>
+            <a:r>
+              <a:rPr lang="en-US" sz="2000" dirty="0" smtClean="0"/>
+              <a:t>, season, weather, and temp we can </a:t>
+            </a:r>
+            <a:r>
+              <a:rPr lang="en-US" sz="2000" smtClean="0"/>
+              <a:t>predict ridership.</a:t>
             </a:r>
           </a:p>
           <a:p>
@@ -3506,209 +3521,13 @@
   <p:clrMapOvr>
     <a:masterClrMapping/>
   </p:clrMapOvr>
-</p:sld>
-</file>
-
-<file path=ppt/slides/slide3.xml><?xml version="1.0" encoding="utf-8"?>
-<p:sld xmlns:a="http://schemas.openxmlformats.org/drawingml/2006/main" xmlns:r="http://schemas.openxmlformats.org/officeDocument/2006/relationships" xmlns:p="http://schemas.openxmlformats.org/presentationml/2006/main">
-  <p:cSld>
-    <p:spTree>
-      <p:nvGrpSpPr>
-        <p:cNvPr id="1" name=""/>
-        <p:cNvGrpSpPr/>
-        <p:nvPr/>
-      </p:nvGrpSpPr>
-      <p:grpSpPr>
-        <a:xfrm>
-          <a:off x="0" y="0"/>
-          <a:ext cx="0" cy="0"/>
-          <a:chOff x="0" y="0"/>
-          <a:chExt cx="0" cy="0"/>
-        </a:xfrm>
-      </p:grpSpPr>
-      <p:sp>
-        <p:nvSpPr>
-          <p:cNvPr id="2" name="Title 1"/>
-          <p:cNvSpPr>
-            <a:spLocks noGrp="1"/>
-          </p:cNvSpPr>
-          <p:nvPr>
-            <p:ph type="title"/>
-          </p:nvPr>
-        </p:nvSpPr>
-        <p:spPr/>
-        <p:txBody>
-          <a:bodyPr>
-            <a:normAutofit/>
-          </a:bodyPr>
-          <a:lstStyle/>
-          <a:p>
-            <a:r>
-              <a:rPr lang="en-US" dirty="0" smtClean="0"/>
-              <a:t>Titanic: ML From Disaster [</a:t>
-            </a:r>
-            <a:r>
-              <a:rPr lang="en-US" dirty="0" err="1" smtClean="0"/>
-              <a:t>kaggle</a:t>
-            </a:r>
-            <a:r>
-              <a:rPr lang="en-US" dirty="0" smtClean="0"/>
-              <a:t>]</a:t>
-            </a:r>
-            <a:endParaRPr lang="en-US" dirty="0"/>
-          </a:p>
-        </p:txBody>
-      </p:sp>
-      <p:sp>
-        <p:nvSpPr>
-          <p:cNvPr id="3" name="Rectangle 2"/>
-          <p:cNvSpPr/>
-          <p:nvPr/>
-        </p:nvSpPr>
-        <p:spPr>
-          <a:xfrm>
-            <a:off x="381000" y="1676400"/>
-            <a:ext cx="4572000" cy="3785652"/>
-          </a:xfrm>
-          <a:prstGeom prst="rect">
-            <a:avLst/>
-          </a:prstGeom>
-        </p:spPr>
-        <p:txBody>
-          <a:bodyPr>
-            <a:spAutoFit/>
-          </a:bodyPr>
-          <a:lstStyle/>
-          <a:p>
-            <a:r>
-              <a:rPr lang="en-US" sz="2000" b="1" i="1" dirty="0" smtClean="0"/>
-              <a:t>The Problem</a:t>
-            </a:r>
-            <a:r>
-              <a:rPr lang="en-US" sz="2000" dirty="0" smtClean="0"/>
-              <a:t>: Predict survival on the Titanic.</a:t>
-            </a:r>
-          </a:p>
-          <a:p>
-            <a:endParaRPr lang="en-US" sz="2000" dirty="0" smtClean="0"/>
-          </a:p>
-          <a:p>
-            <a:r>
-              <a:rPr lang="en-US" sz="2000" b="1" i="1" dirty="0" smtClean="0"/>
-              <a:t>Data</a:t>
-            </a:r>
-            <a:r>
-              <a:rPr lang="en-US" sz="2000" dirty="0"/>
-              <a:t>: </a:t>
-            </a:r>
-            <a:r>
-              <a:rPr lang="en-US" sz="2000" dirty="0" err="1" smtClean="0"/>
-              <a:t>Kaggle</a:t>
-            </a:r>
-            <a:r>
-              <a:rPr lang="en-US" sz="2000" dirty="0" smtClean="0"/>
-              <a:t> competition provides train and test CSV data. </a:t>
-            </a:r>
-          </a:p>
-          <a:p>
-            <a:endParaRPr lang="en-US" sz="2000" b="1" i="1" dirty="0" smtClean="0"/>
-          </a:p>
-          <a:p>
-            <a:r>
-              <a:rPr lang="en-US" sz="2000" b="1" i="1" dirty="0" smtClean="0"/>
-              <a:t>Hypotheses</a:t>
-            </a:r>
-            <a:r>
-              <a:rPr lang="en-US" sz="2000" dirty="0" smtClean="0"/>
-              <a:t>: Predicting a binomial outcome, will need to evaluate various classification models for best outcome. </a:t>
-            </a:r>
-          </a:p>
-          <a:p>
-            <a:endParaRPr lang="en-US" sz="2000" dirty="0"/>
-          </a:p>
-          <a:p>
-            <a:r>
-              <a:rPr lang="en-US" sz="2000" dirty="0" smtClean="0"/>
-              <a:t>https://www.kaggle.com/c/titanic/data</a:t>
-            </a:r>
-          </a:p>
-          <a:p>
-            <a:endParaRPr lang="en-US" sz="2000" dirty="0"/>
-          </a:p>
-        </p:txBody>
-      </p:sp>
-      <p:pic>
-        <p:nvPicPr>
-          <p:cNvPr id="4098" name="Picture 2"/>
-          <p:cNvPicPr>
-            <a:picLocks noChangeAspect="1" noChangeArrowheads="1"/>
-          </p:cNvPicPr>
-          <p:nvPr/>
-        </p:nvPicPr>
-        <p:blipFill rotWithShape="1">
-          <a:blip r:embed="rId2">
-            <a:extLst>
-              <a:ext uri="{28A0092B-C50C-407E-A947-70E740481C1C}">
-                <a14:useLocalDpi xmlns:a14="http://schemas.microsoft.com/office/drawing/2010/main" val="0"/>
-              </a:ext>
-            </a:extLst>
-          </a:blip>
-          <a:srcRect r="20797"/>
-          <a:stretch/>
-        </p:blipFill>
-        <p:spPr bwMode="auto">
-          <a:xfrm>
-            <a:off x="4712889" y="2286000"/>
-            <a:ext cx="4194046" cy="2571305"/>
-          </a:xfrm>
-          <a:prstGeom prst="rect">
-            <a:avLst/>
-          </a:prstGeom>
-          <a:noFill/>
-          <a:ln>
-            <a:noFill/>
-          </a:ln>
-          <a:effectLst/>
-          <a:extLst>
-            <a:ext uri="{909E8E84-426E-40DD-AFC4-6F175D3DCCD1}">
-              <a14:hiddenFill xmlns:a14="http://schemas.microsoft.com/office/drawing/2010/main">
-                <a:solidFill>
-                  <a:schemeClr val="accent1"/>
-                </a:solidFill>
-              </a14:hiddenFill>
-            </a:ext>
-            <a:ext uri="{91240B29-F687-4F45-9708-019B960494DF}">
-              <a14:hiddenLine xmlns:a14="http://schemas.microsoft.com/office/drawing/2010/main" w="9525">
-                <a:solidFill>
-                  <a:schemeClr val="tx1"/>
-                </a:solidFill>
-                <a:miter lim="800000"/>
-                <a:headEnd/>
-                <a:tailEnd/>
-              </a14:hiddenLine>
-            </a:ext>
-            <a:ext uri="{AF507438-7753-43E0-B8FC-AC1667EBCBE1}">
-              <a14:hiddenEffects xmlns:a14="http://schemas.microsoft.com/office/drawing/2010/main">
-                <a:effectLst>
-                  <a:outerShdw dist="35921" dir="2700000" algn="ctr" rotWithShape="0">
-                    <a:schemeClr val="bg2"/>
-                  </a:outerShdw>
-                </a:effectLst>
-              </a14:hiddenEffects>
-            </a:ext>
-          </a:extLst>
-        </p:spPr>
-      </p:pic>
-    </p:spTree>
-    <p:extLst>
-      <p:ext uri="{BB962C8B-B14F-4D97-AF65-F5344CB8AC3E}">
-        <p14:creationId xmlns:p14="http://schemas.microsoft.com/office/powerpoint/2010/main" val="3774052332"/>
-      </p:ext>
-    </p:extLst>
-  </p:cSld>
-  <p:clrMapOvr>
-    <a:masterClrMapping/>
-  </p:clrMapOvr>
+  <p:timing>
+    <p:tnLst>
+      <p:par>
+        <p:cTn id="1" dur="indefinite" restart="never" nodeType="tmRoot"/>
+      </p:par>
+    </p:tnLst>
+  </p:timing>
 </p:sld>
 </file>
 
